--- a/ppt/算法讲解057【必备】并查集-下.pptx
+++ b/ppt/算法讲解057【必备】并查集-下.pptx
@@ -4012,9 +4012,6 @@
                 <a:sym typeface="Monaco"/>
               </a:defRPr>
             </a:pPr>
-            <a:r>
-              <a:t>并查集的小扩展</a:t>
-            </a:r>
           </a:p>
           <a:p>
             <a:pPr algn="l" defTabSz="825500">
@@ -4029,7 +4026,7 @@
               </a:defRPr>
             </a:pPr>
             <a:r>
-              <a:t>可以定制信息：并查集目前有多少个集合，以及给每个集合打上标签信息</a:t>
+              <a:t>并查集的小扩展</a:t>
             </a:r>
           </a:p>
           <a:p>
@@ -4044,6 +4041,9 @@
                 <a:sym typeface="Monaco"/>
               </a:defRPr>
             </a:pPr>
+            <a:r>
+              <a:t>可以定制信息：并查集目前有多少个集合，以及给每个集合打上标签信息</a:t>
+            </a:r>
           </a:p>
           <a:p>
             <a:pPr algn="l" defTabSz="825500">
@@ -4110,7 +4110,7 @@
               </a:defRPr>
             </a:pPr>
             <a:r>
-              <a:t>注意：</a:t>
+              <a:t>注意：带权并查集、可持久化并查集、可撤销并查集，都是备战算法竞赛的同学必学的内容</a:t>
             </a:r>
           </a:p>
           <a:p>
@@ -4126,23 +4126,7 @@
               </a:defRPr>
             </a:pPr>
             <a:r>
-              <a:t>带权并查集的内容是大厂笔试面试冷门内容，会在【挺难】课程里讲述。</a:t>
-            </a:r>
-          </a:p>
-          <a:p>
-            <a:pPr algn="l" defTabSz="825500">
-              <a:defRPr sz="3600">
-                <a:solidFill>
-                  <a:srgbClr val="000000"/>
-                </a:solidFill>
-                <a:latin typeface="Monaco"/>
-                <a:ea typeface="Monaco"/>
-                <a:cs typeface="Monaco"/>
-                <a:sym typeface="Monaco"/>
-              </a:defRPr>
-            </a:pPr>
-            <a:r>
-              <a:t>可持久化并查集、可撤销并查集，更是比较冷门的内容，备战比赛的同学自行学习，本课程不再安排讲述</a:t>
+              <a:t>     这些内容会在【挺难】阶段的课程里安排讲述</a:t>
             </a:r>
           </a:p>
         </p:txBody>
